--- a/PowerPoints/11 - Code Generation.pptx
+++ b/PowerPoints/11 - Code Generation.pptx
@@ -12709,7 +12709,7 @@
                 <a:latin typeface="Consolas" pitchFamily="49" charset="0"/>
                 <a:cs typeface="Consolas" pitchFamily="49" charset="0"/>
               </a:rPr>
-              <a:t> -&gt; emit("LDCINT ${</a:t>
+              <a:t>  -&gt; emit("LDCINT ${</a:t>
             </a:r>
             <a:r>
               <a:rPr lang="en-US" sz="1800" dirty="0" err="1">
@@ -12753,7 +12753,7 @@
                 <a:latin typeface="Consolas" pitchFamily="49" charset="0"/>
                 <a:cs typeface="Consolas" pitchFamily="49" charset="0"/>
               </a:rPr>
-              <a:t> -&gt; emit("LDCB ${</a:t>
+              <a:t>  -&gt; emit("LDCB ${</a:t>
             </a:r>
             <a:r>
               <a:rPr lang="en-US" sz="1800" dirty="0" err="1">
@@ -12797,7 +12797,7 @@
                 <a:latin typeface="Consolas" pitchFamily="49" charset="0"/>
                 <a:cs typeface="Consolas" pitchFamily="49" charset="0"/>
               </a:rPr>
-              <a:t>    -&gt; emit("LDCCH ${</a:t>
+              <a:t>     -&gt; emit("LDCCH ${</a:t>
             </a:r>
             <a:r>
               <a:rPr lang="en-US" sz="1800" dirty="0" err="1">
@@ -12827,21 +12827,21 @@
                 <a:latin typeface="Consolas" pitchFamily="49" charset="0"/>
                 <a:cs typeface="Consolas" pitchFamily="49" charset="0"/>
               </a:rPr>
-              <a:t>        </a:t>
+              <a:t>        is </a:t>
             </a:r>
             <a:r>
               <a:rPr lang="en-US" sz="1800" dirty="0" err="1">
                 <a:latin typeface="Consolas" pitchFamily="49" charset="0"/>
                 <a:cs typeface="Consolas" pitchFamily="49" charset="0"/>
               </a:rPr>
-              <a:t>Type.String</a:t>
-            </a:r>
-            <a:r>
-              <a:rPr lang="en-US" sz="1800" dirty="0">
-                <a:latin typeface="Consolas" pitchFamily="49" charset="0"/>
-                <a:cs typeface="Consolas" pitchFamily="49" charset="0"/>
-              </a:rPr>
-              <a:t>  -&gt; emit("LDCSTR ${</a:t>
+              <a:t>StringType</a:t>
+            </a:r>
+            <a:r>
+              <a:rPr lang="en-US" sz="1800" dirty="0">
+                <a:latin typeface="Consolas" pitchFamily="49" charset="0"/>
+                <a:cs typeface="Consolas" pitchFamily="49" charset="0"/>
+              </a:rPr>
+              <a:t> -&gt; emit("LDCSTR ${</a:t>
             </a:r>
             <a:r>
               <a:rPr lang="en-US" sz="1800" dirty="0" err="1">
@@ -12871,7 +12871,7 @@
                 <a:latin typeface="Consolas" pitchFamily="49" charset="0"/>
                 <a:cs typeface="Consolas" pitchFamily="49" charset="0"/>
               </a:rPr>
-              <a:t>        else         -&gt; ...   // throw a </a:t>
+              <a:t>        else          -&gt; ...   // throw a </a:t>
             </a:r>
             <a:r>
               <a:rPr lang="en-US" sz="1800" dirty="0" err="1">
@@ -13762,8 +13762,12 @@
           <a:lstStyle/>
           <a:p>
             <a:r>
-              <a:rPr lang="en-US" dirty="0"/>
-              <a:t>A binary expression contains an operator and one operand, where the operand is an expression.</a:t>
+              <a:rPr lang="en-US"/>
+              <a:t>A unary </a:t>
+            </a:r>
+            <a:r>
+              <a:rPr lang="en-US" dirty="0"/>
+              <a:t>expression contains an operator and one operand, where the operand is an expression.</a:t>
             </a:r>
           </a:p>
           <a:p>

--- a/PowerPoints/11 - Code Generation.pptx
+++ b/PowerPoints/11 - Code Generation.pptx
@@ -18174,7 +18174,19 @@
               <a:rPr lang="en-US" sz="1800" dirty="0">
                 <a:latin typeface="Consolas" panose="020B0609020204030204" pitchFamily="49" charset="0"/>
               </a:rPr>
-              <a:t> = "{" statement "}" .</a:t>
+              <a:t> = </a:t>
+            </a:r>
+            <a:r>
+              <a:rPr lang="en-US" sz="1800">
+                <a:latin typeface="Consolas" panose="020B0609020204030204" pitchFamily="49" charset="0"/>
+              </a:rPr>
+              <a:t>"{" statements </a:t>
+            </a:r>
+            <a:r>
+              <a:rPr lang="en-US" sz="1800" dirty="0">
+                <a:latin typeface="Consolas" panose="020B0609020204030204" pitchFamily="49" charset="0"/>
+              </a:rPr>
+              <a:t>"}" .</a:t>
             </a:r>
           </a:p>
           <a:p>
